--- a/Day_1/Lectures/Slides/Day_1_Pub+Link.pptx
+++ b/Day_1/Lectures/Slides/Day_1_Pub+Link.pptx
@@ -5,7 +5,7 @@
     <p:sldMasterId id="2147483648" r:id="rId1"/>
   </p:sldMasterIdLst>
   <p:notesMasterIdLst>
-    <p:notesMasterId r:id="rId9"/>
+    <p:notesMasterId r:id="rId13"/>
   </p:notesMasterIdLst>
   <p:sldIdLst>
     <p:sldId id="256" r:id="rId2"/>
@@ -15,6 +15,10 @@
     <p:sldId id="260" r:id="rId6"/>
     <p:sldId id="262" r:id="rId7"/>
     <p:sldId id="263" r:id="rId8"/>
+    <p:sldId id="264" r:id="rId9"/>
+    <p:sldId id="268" r:id="rId10"/>
+    <p:sldId id="265" r:id="rId11"/>
+    <p:sldId id="267" r:id="rId12"/>
   </p:sldIdLst>
   <p:sldSz cx="9144000" cy="6858000" type="screen4x3"/>
   <p:notesSz cx="6858000" cy="9144000"/>
@@ -198,7 +202,7 @@
           <a:p>
             <a:fld id="{45586817-605E-4344-BE5D-C9A6B8659F9F}" type="datetimeFigureOut">
               <a:rPr lang="en-US" smtClean="0"/>
-              <a:t>1/18/15</a:t>
+              <a:t>1/19/15</a:t>
             </a:fld>
             <a:endParaRPr lang="en-US"/>
           </a:p>
@@ -1006,6 +1010,103 @@
 </p:notes>
 </file>
 
+<file path=ppt/notesSlides/notesSlide6.xml><?xml version="1.0" encoding="utf-8"?>
+<p:notes xmlns:a="http://schemas.openxmlformats.org/drawingml/2006/main" xmlns:r="http://schemas.openxmlformats.org/officeDocument/2006/relationships" xmlns:p="http://schemas.openxmlformats.org/presentationml/2006/main">
+  <p:cSld>
+    <p:spTree>
+      <p:nvGrpSpPr>
+        <p:cNvPr id="1" name=""/>
+        <p:cNvGrpSpPr/>
+        <p:nvPr/>
+      </p:nvGrpSpPr>
+      <p:grpSpPr>
+        <a:xfrm>
+          <a:off x="0" y="0"/>
+          <a:ext cx="0" cy="0"/>
+          <a:chOff x="0" y="0"/>
+          <a:chExt cx="0" cy="0"/>
+        </a:xfrm>
+      </p:grpSpPr>
+      <p:sp>
+        <p:nvSpPr>
+          <p:cNvPr id="2" name="Slide Image Placeholder 1"/>
+          <p:cNvSpPr>
+            <a:spLocks noGrp="1" noRot="1" noChangeAspect="1"/>
+          </p:cNvSpPr>
+          <p:nvPr>
+            <p:ph type="sldImg"/>
+          </p:nvPr>
+        </p:nvSpPr>
+        <p:spPr/>
+      </p:sp>
+      <p:sp>
+        <p:nvSpPr>
+          <p:cNvPr id="3" name="Notes Placeholder 2"/>
+          <p:cNvSpPr>
+            <a:spLocks noGrp="1"/>
+          </p:cNvSpPr>
+          <p:nvPr>
+            <p:ph type="body" idx="1"/>
+          </p:nvPr>
+        </p:nvSpPr>
+        <p:spPr/>
+        <p:txBody>
+          <a:bodyPr/>
+          <a:lstStyle/>
+          <a:p>
+            <a:r>
+              <a:rPr lang="en-US" dirty="0" smtClean="0"/>
+              <a:t>2012 study</a:t>
+            </a:r>
+            <a:r>
+              <a:rPr lang="en-US" baseline="0" dirty="0" smtClean="0"/>
+              <a:t> that looked at the coverage – (in short, very poor) </a:t>
+            </a:r>
+          </a:p>
+          <a:p>
+            <a:endParaRPr lang="en-US" baseline="0" dirty="0" smtClean="0"/>
+          </a:p>
+          <a:p>
+            <a:endParaRPr lang="en-US" dirty="0"/>
+          </a:p>
+        </p:txBody>
+      </p:sp>
+      <p:sp>
+        <p:nvSpPr>
+          <p:cNvPr id="4" name="Slide Number Placeholder 3"/>
+          <p:cNvSpPr>
+            <a:spLocks noGrp="1"/>
+          </p:cNvSpPr>
+          <p:nvPr>
+            <p:ph type="sldNum" sz="quarter" idx="10"/>
+          </p:nvPr>
+        </p:nvSpPr>
+        <p:spPr/>
+        <p:txBody>
+          <a:bodyPr/>
+          <a:lstStyle/>
+          <a:p>
+            <a:fld id="{08185132-9832-7F44-868B-BDCD6E86D3C3}" type="slidenum">
+              <a:rPr lang="en-US" smtClean="0"/>
+              <a:t>10</a:t>
+            </a:fld>
+            <a:endParaRPr lang="en-US"/>
+          </a:p>
+        </p:txBody>
+      </p:sp>
+    </p:spTree>
+    <p:extLst>
+      <p:ext uri="{BB962C8B-B14F-4D97-AF65-F5344CB8AC3E}">
+        <p14:creationId xmlns:p14="http://schemas.microsoft.com/office/powerpoint/2010/main" val="3694408613"/>
+      </p:ext>
+    </p:extLst>
+  </p:cSld>
+  <p:clrMapOvr>
+    <a:masterClrMapping/>
+  </p:clrMapOvr>
+</p:notes>
+</file>
+
 <file path=ppt/slideLayouts/slideLayout1.xml><?xml version="1.0" encoding="utf-8"?>
 <p:sldLayout xmlns:a="http://schemas.openxmlformats.org/drawingml/2006/main" xmlns:r="http://schemas.openxmlformats.org/officeDocument/2006/relationships" xmlns:p="http://schemas.openxmlformats.org/presentationml/2006/main" type="title" preserve="1">
   <p:cSld name="Title Slide">
@@ -1187,7 +1288,7 @@
           <a:p>
             <a:fld id="{9D6228D5-5F93-BB4A-964B-203967C46295}" type="datetimeFigureOut">
               <a:rPr lang="en-US" smtClean="0"/>
-              <a:t>1/18/15</a:t>
+              <a:t>1/19/15</a:t>
             </a:fld>
             <a:endParaRPr lang="en-US"/>
           </a:p>
@@ -1357,7 +1458,7 @@
           <a:p>
             <a:fld id="{9D6228D5-5F93-BB4A-964B-203967C46295}" type="datetimeFigureOut">
               <a:rPr lang="en-US" smtClean="0"/>
-              <a:t>1/18/15</a:t>
+              <a:t>1/19/15</a:t>
             </a:fld>
             <a:endParaRPr lang="en-US"/>
           </a:p>
@@ -1537,7 +1638,7 @@
           <a:p>
             <a:fld id="{9D6228D5-5F93-BB4A-964B-203967C46295}" type="datetimeFigureOut">
               <a:rPr lang="en-US" smtClean="0"/>
-              <a:t>1/18/15</a:t>
+              <a:t>1/19/15</a:t>
             </a:fld>
             <a:endParaRPr lang="en-US"/>
           </a:p>
@@ -1707,7 +1808,7 @@
           <a:p>
             <a:fld id="{9D6228D5-5F93-BB4A-964B-203967C46295}" type="datetimeFigureOut">
               <a:rPr lang="en-US" smtClean="0"/>
-              <a:t>1/18/15</a:t>
+              <a:t>1/19/15</a:t>
             </a:fld>
             <a:endParaRPr lang="en-US"/>
           </a:p>
@@ -1953,7 +2054,7 @@
           <a:p>
             <a:fld id="{9D6228D5-5F93-BB4A-964B-203967C46295}" type="datetimeFigureOut">
               <a:rPr lang="en-US" smtClean="0"/>
-              <a:t>1/18/15</a:t>
+              <a:t>1/19/15</a:t>
             </a:fld>
             <a:endParaRPr lang="en-US"/>
           </a:p>
@@ -2241,7 +2342,7 @@
           <a:p>
             <a:fld id="{9D6228D5-5F93-BB4A-964B-203967C46295}" type="datetimeFigureOut">
               <a:rPr lang="en-US" smtClean="0"/>
-              <a:t>1/18/15</a:t>
+              <a:t>1/19/15</a:t>
             </a:fld>
             <a:endParaRPr lang="en-US"/>
           </a:p>
@@ -2663,7 +2764,7 @@
           <a:p>
             <a:fld id="{9D6228D5-5F93-BB4A-964B-203967C46295}" type="datetimeFigureOut">
               <a:rPr lang="en-US" smtClean="0"/>
-              <a:t>1/18/15</a:t>
+              <a:t>1/19/15</a:t>
             </a:fld>
             <a:endParaRPr lang="en-US"/>
           </a:p>
@@ -2781,7 +2882,7 @@
           <a:p>
             <a:fld id="{9D6228D5-5F93-BB4A-964B-203967C46295}" type="datetimeFigureOut">
               <a:rPr lang="en-US" smtClean="0"/>
-              <a:t>1/18/15</a:t>
+              <a:t>1/19/15</a:t>
             </a:fld>
             <a:endParaRPr lang="en-US"/>
           </a:p>
@@ -2876,7 +2977,7 @@
           <a:p>
             <a:fld id="{9D6228D5-5F93-BB4A-964B-203967C46295}" type="datetimeFigureOut">
               <a:rPr lang="en-US" smtClean="0"/>
-              <a:t>1/18/15</a:t>
+              <a:t>1/19/15</a:t>
             </a:fld>
             <a:endParaRPr lang="en-US"/>
           </a:p>
@@ -3153,7 +3254,7 @@
           <a:p>
             <a:fld id="{9D6228D5-5F93-BB4A-964B-203967C46295}" type="datetimeFigureOut">
               <a:rPr lang="en-US" smtClean="0"/>
-              <a:t>1/18/15</a:t>
+              <a:t>1/19/15</a:t>
             </a:fld>
             <a:endParaRPr lang="en-US"/>
           </a:p>
@@ -3410,7 +3511,7 @@
           <a:p>
             <a:fld id="{9D6228D5-5F93-BB4A-964B-203967C46295}" type="datetimeFigureOut">
               <a:rPr lang="en-US" smtClean="0"/>
-              <a:t>1/18/15</a:t>
+              <a:t>1/19/15</a:t>
             </a:fld>
             <a:endParaRPr lang="en-US"/>
           </a:p>
@@ -3623,7 +3724,7 @@
           <a:p>
             <a:fld id="{9D6228D5-5F93-BB4A-964B-203967C46295}" type="datetimeFigureOut">
               <a:rPr lang="en-US" smtClean="0"/>
-              <a:t>1/18/15</a:t>
+              <a:t>1/19/15</a:t>
             </a:fld>
             <a:endParaRPr lang="en-US"/>
           </a:p>
@@ -4045,11 +4146,7 @@
           <a:p>
             <a:r>
               <a:rPr lang="en-US" dirty="0" smtClean="0"/>
-              <a:t>Data </a:t>
-            </a:r>
-            <a:r>
-              <a:rPr lang="en-US" dirty="0" smtClean="0"/>
-              <a:t>Publication</a:t>
+              <a:t>Data Publication</a:t>
             </a:r>
             <a:endParaRPr lang="en-US" dirty="0"/>
           </a:p>
@@ -4078,6 +4175,223 @@
     <p:extLst>
       <p:ext uri="{BB962C8B-B14F-4D97-AF65-F5344CB8AC3E}">
         <p14:creationId xmlns:p14="http://schemas.microsoft.com/office/powerpoint/2010/main" val="408596912"/>
+      </p:ext>
+    </p:extLst>
+  </p:cSld>
+  <p:clrMapOvr>
+    <a:masterClrMapping/>
+  </p:clrMapOvr>
+</p:sld>
+</file>
+
+<file path=ppt/slides/slide10.xml><?xml version="1.0" encoding="utf-8"?>
+<p:sld xmlns:a="http://schemas.openxmlformats.org/drawingml/2006/main" xmlns:r="http://schemas.openxmlformats.org/officeDocument/2006/relationships" xmlns:p="http://schemas.openxmlformats.org/presentationml/2006/main">
+  <p:cSld>
+    <p:spTree>
+      <p:nvGrpSpPr>
+        <p:cNvPr id="1" name=""/>
+        <p:cNvGrpSpPr/>
+        <p:nvPr/>
+      </p:nvGrpSpPr>
+      <p:grpSpPr>
+        <a:xfrm>
+          <a:off x="0" y="0"/>
+          <a:ext cx="0" cy="0"/>
+          <a:chOff x="0" y="0"/>
+          <a:chExt cx="0" cy="0"/>
+        </a:xfrm>
+      </p:grpSpPr>
+      <p:sp>
+        <p:nvSpPr>
+          <p:cNvPr id="2" name="Title 1"/>
+          <p:cNvSpPr>
+            <a:spLocks noGrp="1"/>
+          </p:cNvSpPr>
+          <p:nvPr>
+            <p:ph type="title"/>
+          </p:nvPr>
+        </p:nvSpPr>
+        <p:spPr/>
+        <p:txBody>
+          <a:bodyPr/>
+          <a:lstStyle/>
+          <a:p>
+            <a:r>
+              <a:rPr lang="en-US" dirty="0" smtClean="0"/>
+              <a:t>Coverage (poor)</a:t>
+            </a:r>
+            <a:endParaRPr lang="en-US" dirty="0"/>
+          </a:p>
+        </p:txBody>
+      </p:sp>
+      <p:pic>
+        <p:nvPicPr>
+          <p:cNvPr id="4" name="Picture 3" descr="Screen Shot 2015-01-19 at 10.34.06 AM.png"/>
+          <p:cNvPicPr>
+            <a:picLocks noChangeAspect="1"/>
+          </p:cNvPicPr>
+          <p:nvPr/>
+        </p:nvPicPr>
+        <p:blipFill>
+          <a:blip r:embed="rId3">
+            <a:extLst>
+              <a:ext uri="{28A0092B-C50C-407E-A947-70E740481C1C}">
+                <a14:useLocalDpi xmlns:a14="http://schemas.microsoft.com/office/drawing/2010/main" val="0"/>
+              </a:ext>
+            </a:extLst>
+          </a:blip>
+          <a:stretch>
+            <a:fillRect/>
+          </a:stretch>
+        </p:blipFill>
+        <p:spPr>
+          <a:xfrm>
+            <a:off x="231758" y="1863409"/>
+            <a:ext cx="8832816" cy="2017941"/>
+          </a:xfrm>
+          <a:prstGeom prst="rect">
+            <a:avLst/>
+          </a:prstGeom>
+        </p:spPr>
+      </p:pic>
+    </p:spTree>
+    <p:extLst>
+      <p:ext uri="{BB962C8B-B14F-4D97-AF65-F5344CB8AC3E}">
+        <p14:creationId xmlns:p14="http://schemas.microsoft.com/office/powerpoint/2010/main" val="2907690425"/>
+      </p:ext>
+    </p:extLst>
+  </p:cSld>
+  <p:clrMapOvr>
+    <a:masterClrMapping/>
+  </p:clrMapOvr>
+</p:sld>
+</file>
+
+<file path=ppt/slides/slide11.xml><?xml version="1.0" encoding="utf-8"?>
+<p:sld xmlns:a="http://schemas.openxmlformats.org/drawingml/2006/main" xmlns:r="http://schemas.openxmlformats.org/officeDocument/2006/relationships" xmlns:p="http://schemas.openxmlformats.org/presentationml/2006/main">
+  <p:cSld>
+    <p:spTree>
+      <p:nvGrpSpPr>
+        <p:cNvPr id="1" name=""/>
+        <p:cNvGrpSpPr/>
+        <p:nvPr/>
+      </p:nvGrpSpPr>
+      <p:grpSpPr>
+        <a:xfrm>
+          <a:off x="0" y="0"/>
+          <a:ext cx="0" cy="0"/>
+          <a:chOff x="0" y="0"/>
+          <a:chExt cx="0" cy="0"/>
+        </a:xfrm>
+      </p:grpSpPr>
+      <p:sp>
+        <p:nvSpPr>
+          <p:cNvPr id="2" name="Title 1"/>
+          <p:cNvSpPr>
+            <a:spLocks noGrp="1"/>
+          </p:cNvSpPr>
+          <p:nvPr>
+            <p:ph type="title"/>
+          </p:nvPr>
+        </p:nvSpPr>
+        <p:spPr/>
+        <p:txBody>
+          <a:bodyPr/>
+          <a:lstStyle/>
+          <a:p>
+            <a:r>
+              <a:rPr lang="en-US" dirty="0" smtClean="0"/>
+              <a:t>Very much an emerging field…</a:t>
+            </a:r>
+            <a:endParaRPr lang="en-US" dirty="0"/>
+          </a:p>
+        </p:txBody>
+      </p:sp>
+      <p:pic>
+        <p:nvPicPr>
+          <p:cNvPr id="4" name="Picture 3"/>
+          <p:cNvPicPr>
+            <a:picLocks noChangeAspect="1"/>
+          </p:cNvPicPr>
+          <p:nvPr/>
+        </p:nvPicPr>
+        <p:blipFill>
+          <a:blip r:embed="rId2"/>
+          <a:stretch>
+            <a:fillRect/>
+          </a:stretch>
+        </p:blipFill>
+        <p:spPr>
+          <a:xfrm>
+            <a:off x="1721507" y="2199963"/>
+            <a:ext cx="5422900" cy="1320800"/>
+          </a:xfrm>
+          <a:prstGeom prst="rect">
+            <a:avLst/>
+          </a:prstGeom>
+        </p:spPr>
+      </p:pic>
+      <p:sp>
+        <p:nvSpPr>
+          <p:cNvPr id="5" name="Rectangle 4"/>
+          <p:cNvSpPr/>
+          <p:nvPr/>
+        </p:nvSpPr>
+        <p:spPr>
+          <a:xfrm>
+            <a:off x="887434" y="4228752"/>
+            <a:ext cx="7164333" cy="369332"/>
+          </a:xfrm>
+          <a:prstGeom prst="rect">
+            <a:avLst/>
+          </a:prstGeom>
+        </p:spPr>
+        <p:txBody>
+          <a:bodyPr wrap="square">
+            <a:spAutoFit/>
+          </a:bodyPr>
+          <a:lstStyle/>
+          <a:p>
+            <a:r>
+              <a:rPr lang="en-US" b="1" dirty="0" smtClean="0"/>
+              <a:t>Follow</a:t>
+            </a:r>
+            <a:r>
+              <a:rPr lang="en-US" dirty="0" smtClean="0"/>
+              <a:t>: https</a:t>
+            </a:r>
+            <a:r>
+              <a:rPr lang="en-US" dirty="0"/>
+              <a:t>://</a:t>
+            </a:r>
+            <a:r>
+              <a:rPr lang="en-US" dirty="0" err="1"/>
+              <a:t>rd-alliance.org</a:t>
+            </a:r>
+            <a:r>
+              <a:rPr lang="en-US" dirty="0"/>
+              <a:t>/groups/</a:t>
+            </a:r>
+            <a:r>
+              <a:rPr lang="en-US" dirty="0" err="1"/>
+              <a:t>rdawds</a:t>
+            </a:r>
+            <a:r>
+              <a:rPr lang="en-US" dirty="0"/>
+              <a:t>-publishing-data-</a:t>
+            </a:r>
+            <a:r>
+              <a:rPr lang="en-US" dirty="0" err="1"/>
+              <a:t>ig.html</a:t>
+            </a:r>
+            <a:endParaRPr lang="en-US" dirty="0"/>
+          </a:p>
+        </p:txBody>
+      </p:sp>
+    </p:spTree>
+    <p:extLst>
+      <p:ext uri="{BB962C8B-B14F-4D97-AF65-F5344CB8AC3E}">
+        <p14:creationId xmlns:p14="http://schemas.microsoft.com/office/powerpoint/2010/main" val="2505912585"/>
       </p:ext>
     </p:extLst>
   </p:cSld>
@@ -4181,13 +4495,8 @@
             </a:pPr>
             <a:r>
               <a:rPr lang="en-US" dirty="0" smtClean="0"/>
-              <a:t>First step in receiving credit for data </a:t>
-            </a:r>
-            <a:r>
-              <a:rPr lang="en-US" dirty="0" smtClean="0"/>
-              <a:t>sharing</a:t>
-            </a:r>
-            <a:endParaRPr lang="en-US" dirty="0" smtClean="0"/>
+              <a:t>First step in receiving credit for data sharing</a:t>
+            </a:r>
           </a:p>
         </p:txBody>
       </p:sp>
@@ -4734,38 +5043,8 @@
         </p:blipFill>
         <p:spPr>
           <a:xfrm>
-            <a:off x="3416392" y="1930561"/>
-            <a:ext cx="3588743" cy="3574815"/>
-          </a:xfrm>
-          <a:prstGeom prst="rect">
-            <a:avLst/>
-          </a:prstGeom>
-        </p:spPr>
-      </p:pic>
-      <p:pic>
-        <p:nvPicPr>
-          <p:cNvPr id="6" name="Picture 5" descr="Screen Shot 2015-01-18 at 10.59.40 AM.png"/>
-          <p:cNvPicPr>
-            <a:picLocks noChangeAspect="1"/>
-          </p:cNvPicPr>
-          <p:nvPr/>
-        </p:nvPicPr>
-        <p:blipFill>
-          <a:blip r:embed="rId5">
-            <a:extLst>
-              <a:ext uri="{28A0092B-C50C-407E-A947-70E740481C1C}">
-                <a14:useLocalDpi xmlns:a14="http://schemas.microsoft.com/office/drawing/2010/main" val="0"/>
-              </a:ext>
-            </a:extLst>
-          </a:blip>
-          <a:stretch>
-            <a:fillRect/>
-          </a:stretch>
-        </p:blipFill>
-        <p:spPr>
-          <a:xfrm>
-            <a:off x="515148" y="393229"/>
-            <a:ext cx="7658100" cy="5486400"/>
+            <a:off x="4556640" y="2143787"/>
+            <a:ext cx="3573419" cy="3559550"/>
           </a:xfrm>
           <a:prstGeom prst="rect">
             <a:avLst/>
@@ -4840,10 +5119,230 @@
           </a:p>
         </p:txBody>
       </p:sp>
+      <p:pic>
+        <p:nvPicPr>
+          <p:cNvPr id="4" name="Picture 3" descr="Screen Shot 2015-01-18 at 10.59.40 AM.png"/>
+          <p:cNvPicPr>
+            <a:picLocks noChangeAspect="1"/>
+          </p:cNvPicPr>
+          <p:nvPr/>
+        </p:nvPicPr>
+        <p:blipFill>
+          <a:blip r:embed="rId3">
+            <a:extLst>
+              <a:ext uri="{28A0092B-C50C-407E-A947-70E740481C1C}">
+                <a14:useLocalDpi xmlns:a14="http://schemas.microsoft.com/office/drawing/2010/main" val="0"/>
+              </a:ext>
+            </a:extLst>
+          </a:blip>
+          <a:stretch>
+            <a:fillRect/>
+          </a:stretch>
+        </p:blipFill>
+        <p:spPr>
+          <a:xfrm>
+            <a:off x="515148" y="393229"/>
+            <a:ext cx="7290451" cy="5223010"/>
+          </a:xfrm>
+          <a:prstGeom prst="rect">
+            <a:avLst/>
+          </a:prstGeom>
+        </p:spPr>
+      </p:pic>
     </p:spTree>
     <p:extLst>
       <p:ext uri="{BB962C8B-B14F-4D97-AF65-F5344CB8AC3E}">
         <p14:creationId xmlns:p14="http://schemas.microsoft.com/office/powerpoint/2010/main" val="3410655291"/>
+      </p:ext>
+    </p:extLst>
+  </p:cSld>
+  <p:clrMapOvr>
+    <a:masterClrMapping/>
+  </p:clrMapOvr>
+</p:sld>
+</file>
+
+<file path=ppt/slides/slide8.xml><?xml version="1.0" encoding="utf-8"?>
+<p:sld xmlns:a="http://schemas.openxmlformats.org/drawingml/2006/main" xmlns:r="http://schemas.openxmlformats.org/officeDocument/2006/relationships" xmlns:p="http://schemas.openxmlformats.org/presentationml/2006/main">
+  <p:cSld>
+    <p:spTree>
+      <p:nvGrpSpPr>
+        <p:cNvPr id="1" name=""/>
+        <p:cNvGrpSpPr/>
+        <p:nvPr/>
+      </p:nvGrpSpPr>
+      <p:grpSpPr>
+        <a:xfrm>
+          <a:off x="0" y="0"/>
+          <a:ext cx="0" cy="0"/>
+          <a:chOff x="0" y="0"/>
+          <a:chExt cx="0" cy="0"/>
+        </a:xfrm>
+      </p:grpSpPr>
+      <p:sp>
+        <p:nvSpPr>
+          <p:cNvPr id="2" name="Title 1"/>
+          <p:cNvSpPr>
+            <a:spLocks noGrp="1"/>
+          </p:cNvSpPr>
+          <p:nvPr>
+            <p:ph type="title"/>
+          </p:nvPr>
+        </p:nvSpPr>
+        <p:spPr/>
+        <p:txBody>
+          <a:bodyPr/>
+          <a:lstStyle/>
+          <a:p>
+            <a:r>
+              <a:rPr lang="en-US" dirty="0" smtClean="0"/>
+              <a:t>Attribution?</a:t>
+            </a:r>
+            <a:endParaRPr lang="en-US" dirty="0"/>
+          </a:p>
+        </p:txBody>
+      </p:sp>
+      <p:sp>
+        <p:nvSpPr>
+          <p:cNvPr id="6" name="TextBox 5"/>
+          <p:cNvSpPr txBox="1"/>
+          <p:nvPr/>
+        </p:nvSpPr>
+        <p:spPr>
+          <a:xfrm>
+            <a:off x="760165" y="1752162"/>
+            <a:ext cx="7454760" cy="3416320"/>
+          </a:xfrm>
+          <a:prstGeom prst="rect">
+            <a:avLst/>
+          </a:prstGeom>
+          <a:noFill/>
+        </p:spPr>
+        <p:txBody>
+          <a:bodyPr wrap="none" rtlCol="0">
+            <a:spAutoFit/>
+          </a:bodyPr>
+          <a:lstStyle/>
+          <a:p>
+            <a:r>
+              <a:rPr lang="en-US" dirty="0" smtClean="0"/>
+              <a:t>Published data is institutionalized data sharing… </a:t>
+            </a:r>
+          </a:p>
+          <a:p>
+            <a:endParaRPr lang="en-US" dirty="0" smtClean="0"/>
+          </a:p>
+          <a:p>
+            <a:r>
+              <a:rPr lang="en-US" dirty="0" smtClean="0"/>
+              <a:t>Receive MORE citations than 99% of traditional publications </a:t>
+            </a:r>
+          </a:p>
+          <a:p>
+            <a:r>
+              <a:rPr lang="en-US" dirty="0" smtClean="0"/>
+              <a:t>(for Oceanography (Belter, 2014)</a:t>
+            </a:r>
+          </a:p>
+          <a:p>
+            <a:endParaRPr lang="en-US" dirty="0"/>
+          </a:p>
+          <a:p>
+            <a:r>
+              <a:rPr lang="en-US" dirty="0" smtClean="0"/>
+              <a:t>…more likely to be reused in high impact studies (</a:t>
+            </a:r>
+          </a:p>
+          <a:p>
+            <a:endParaRPr lang="en-US" dirty="0"/>
+          </a:p>
+          <a:p>
+            <a:r>
+              <a:rPr lang="en-US" dirty="0" smtClean="0"/>
+              <a:t>Increases ability to build knowledge, and reputation (Wallis, et al 2012)</a:t>
+            </a:r>
+          </a:p>
+          <a:p>
+            <a:endParaRPr lang="en-US" dirty="0" smtClean="0"/>
+          </a:p>
+          <a:p>
+            <a:r>
+              <a:rPr lang="en-US" dirty="0" smtClean="0"/>
+              <a:t>Provides a citation advantage for related literature (Piwowar and Vision, 2013)</a:t>
+            </a:r>
+          </a:p>
+          <a:p>
+            <a:endParaRPr lang="en-US" dirty="0"/>
+          </a:p>
+          <a:p>
+            <a:endParaRPr lang="en-US" dirty="0"/>
+          </a:p>
+        </p:txBody>
+      </p:sp>
+    </p:spTree>
+    <p:extLst>
+      <p:ext uri="{BB962C8B-B14F-4D97-AF65-F5344CB8AC3E}">
+        <p14:creationId xmlns:p14="http://schemas.microsoft.com/office/powerpoint/2010/main" val="3637262941"/>
+      </p:ext>
+    </p:extLst>
+  </p:cSld>
+  <p:clrMapOvr>
+    <a:masterClrMapping/>
+  </p:clrMapOvr>
+</p:sld>
+</file>
+
+<file path=ppt/slides/slide9.xml><?xml version="1.0" encoding="utf-8"?>
+<p:sld xmlns:a="http://schemas.openxmlformats.org/drawingml/2006/main" xmlns:r="http://schemas.openxmlformats.org/officeDocument/2006/relationships" xmlns:p="http://schemas.openxmlformats.org/presentationml/2006/main">
+  <p:cSld>
+    <p:spTree>
+      <p:nvGrpSpPr>
+        <p:cNvPr id="1" name=""/>
+        <p:cNvGrpSpPr/>
+        <p:nvPr/>
+      </p:nvGrpSpPr>
+      <p:grpSpPr>
+        <a:xfrm>
+          <a:off x="0" y="0"/>
+          <a:ext cx="0" cy="0"/>
+          <a:chOff x="0" y="0"/>
+          <a:chExt cx="0" cy="0"/>
+        </a:xfrm>
+      </p:grpSpPr>
+      <p:pic>
+        <p:nvPicPr>
+          <p:cNvPr id="4" name="Picture 3" descr="Screen Shot 2015-01-19 at 10.31.25 AM.png"/>
+          <p:cNvPicPr>
+            <a:picLocks noChangeAspect="1"/>
+          </p:cNvPicPr>
+          <p:nvPr/>
+        </p:nvPicPr>
+        <p:blipFill>
+          <a:blip r:embed="rId2">
+            <a:extLst>
+              <a:ext uri="{28A0092B-C50C-407E-A947-70E740481C1C}">
+                <a14:useLocalDpi xmlns:a14="http://schemas.microsoft.com/office/drawing/2010/main" val="0"/>
+              </a:ext>
+            </a:extLst>
+          </a:blip>
+          <a:stretch>
+            <a:fillRect/>
+          </a:stretch>
+        </p:blipFill>
+        <p:spPr>
+          <a:xfrm>
+            <a:off x="296651" y="1504245"/>
+            <a:ext cx="8686800" cy="3465478"/>
+          </a:xfrm>
+          <a:prstGeom prst="rect">
+            <a:avLst/>
+          </a:prstGeom>
+        </p:spPr>
+      </p:pic>
+    </p:spTree>
+    <p:extLst>
+      <p:ext uri="{BB962C8B-B14F-4D97-AF65-F5344CB8AC3E}">
+        <p14:creationId xmlns:p14="http://schemas.microsoft.com/office/powerpoint/2010/main" val="533845541"/>
       </p:ext>
     </p:extLst>
   </p:cSld>
